--- a/biotrain-2022/Lab-Notebook.pptx
+++ b/biotrain-2022/Lab-Notebook.pptx
@@ -3767,13 +3767,40 @@
         <p:spPr/>
         <p:txBody>
           <a:bodyPr>
-            <a:normAutofit fontScale="92500" lnSpcReduction="10000"/>
+            <a:normAutofit fontScale="77500" lnSpcReduction="20000"/>
           </a:bodyPr>
           <a:lstStyle/>
           <a:p>
             <a:r>
               <a:rPr lang="en-US" dirty="0"/>
+              <a:t>Date Everything</a:t>
+            </a:r>
+          </a:p>
+          <a:p>
+            <a:pPr lvl="1"/>
+            <a:r>
+              <a:rPr lang="en-US" dirty="0"/>
               <a:t>You will never, ever regret putting a date on something</a:t>
+            </a:r>
+          </a:p>
+          <a:p>
+            <a:pPr lvl="1"/>
+            <a:r>
+              <a:rPr lang="en-US" dirty="0"/>
+              <a:t>ISO dates: 2022-06-02 </a:t>
+            </a:r>
+          </a:p>
+          <a:p>
+            <a:pPr lvl="1"/>
+            <a:r>
+              <a:rPr lang="en-US" dirty="0"/>
+              <a:t>Alphabetic sorting &amp; unambiguous</a:t>
+            </a:r>
+          </a:p>
+          <a:p>
+            <a:r>
+              <a:rPr lang="en-US" dirty="0"/>
+              <a:t>Back up everything! </a:t>
             </a:r>
           </a:p>
           <a:p>
@@ -4442,7 +4469,7 @@
         </p:blipFill>
         <p:spPr>
           <a:xfrm>
-            <a:off x="426067" y="979714"/>
+            <a:off x="426067" y="992777"/>
             <a:ext cx="7150390" cy="5152739"/>
           </a:xfrm>
           <a:prstGeom prst="rect">
